--- a/ppt 16-9/1436.保守自己.pptx
+++ b/ppt 16-9/1436.保守自己.pptx
@@ -129,7 +129,7 @@
           <p:cNvPr id="2" name="标题 1">
             <a:extLst>
               <a:ext uri="{FF2B5EF4-FFF2-40B4-BE49-F238E27FC236}">
-                <a16:creationId xmlns:a16="http://schemas.microsoft.com/office/drawing/2014/main" id="{8CD8F194-28A4-BA9C-247F-26A17A628FBD}"/>
+                <a16:creationId xmlns:a16="http://schemas.microsoft.com/office/drawing/2014/main" id="{65594EB8-0077-1E03-FFFA-2C84B32078E7}"/>
               </a:ext>
             </a:extLst>
           </p:cNvPr>
@@ -166,7 +166,7 @@
           <p:cNvPr id="3" name="副标题 2">
             <a:extLst>
               <a:ext uri="{FF2B5EF4-FFF2-40B4-BE49-F238E27FC236}">
-                <a16:creationId xmlns:a16="http://schemas.microsoft.com/office/drawing/2014/main" id="{6AD30469-7115-338F-96FE-7A0F3BC5A417}"/>
+                <a16:creationId xmlns:a16="http://schemas.microsoft.com/office/drawing/2014/main" id="{346C35F1-CE53-9D60-4326-EBC20B463C13}"/>
               </a:ext>
             </a:extLst>
           </p:cNvPr>
@@ -236,7 +236,7 @@
           <p:cNvPr id="4" name="日期占位符 3">
             <a:extLst>
               <a:ext uri="{FF2B5EF4-FFF2-40B4-BE49-F238E27FC236}">
-                <a16:creationId xmlns:a16="http://schemas.microsoft.com/office/drawing/2014/main" id="{601D3EB9-CBE5-A204-6F84-2ADA59C8AEA3}"/>
+                <a16:creationId xmlns:a16="http://schemas.microsoft.com/office/drawing/2014/main" id="{9E33E9AA-13BF-C30F-26D4-8CAC3EBEEB4D}"/>
               </a:ext>
             </a:extLst>
           </p:cNvPr>
@@ -252,7 +252,7 @@
           <a:bodyPr/>
           <a:lstStyle/>
           <a:p>
-            <a:fld id="{49E72FF5-997C-4C1C-99F7-C12994F7AF70}" type="datetimeFigureOut">
+            <a:fld id="{31D029D4-409E-4800-AB1B-CE13B9D924E4}" type="datetimeFigureOut">
               <a:rPr lang="zh-CN" altLang="en-US" smtClean="0"/>
               <a:t>2024/3/10</a:t>
             </a:fld>
@@ -265,7 +265,7 @@
           <p:cNvPr id="5" name="页脚占位符 4">
             <a:extLst>
               <a:ext uri="{FF2B5EF4-FFF2-40B4-BE49-F238E27FC236}">
-                <a16:creationId xmlns:a16="http://schemas.microsoft.com/office/drawing/2014/main" id="{4A92EE80-1086-BD18-4E30-04DCEE6F9BF6}"/>
+                <a16:creationId xmlns:a16="http://schemas.microsoft.com/office/drawing/2014/main" id="{C688EA28-0BA1-6152-5D43-D0D3696CEF05}"/>
               </a:ext>
             </a:extLst>
           </p:cNvPr>
@@ -290,7 +290,7 @@
           <p:cNvPr id="6" name="灯片编号占位符 5">
             <a:extLst>
               <a:ext uri="{FF2B5EF4-FFF2-40B4-BE49-F238E27FC236}">
-                <a16:creationId xmlns:a16="http://schemas.microsoft.com/office/drawing/2014/main" id="{2657C4A4-DAAB-CC1F-8E35-E82608AA17C0}"/>
+                <a16:creationId xmlns:a16="http://schemas.microsoft.com/office/drawing/2014/main" id="{CDC84508-A801-D5D3-6AD6-8F09E7A2054D}"/>
               </a:ext>
             </a:extLst>
           </p:cNvPr>
@@ -306,7 +306,7 @@
           <a:bodyPr/>
           <a:lstStyle/>
           <a:p>
-            <a:fld id="{BE9963CD-5080-40E4-B75A-5591A58EA070}" type="slidenum">
+            <a:fld id="{72FA8E40-13E5-4E5F-8594-4B73678706ED}" type="slidenum">
               <a:rPr lang="zh-CN" altLang="en-US" smtClean="0"/>
               <a:t>‹#›</a:t>
             </a:fld>
@@ -317,7 +317,7 @@
     </p:spTree>
     <p:extLst>
       <p:ext uri="{BB962C8B-B14F-4D97-AF65-F5344CB8AC3E}">
-        <p14:creationId xmlns:p14="http://schemas.microsoft.com/office/powerpoint/2010/main" val="1438461983"/>
+        <p14:creationId xmlns:p14="http://schemas.microsoft.com/office/powerpoint/2010/main" val="1954884888"/>
       </p:ext>
     </p:extLst>
   </p:cSld>
@@ -349,7 +349,7 @@
           <p:cNvPr id="2" name="标题 1">
             <a:extLst>
               <a:ext uri="{FF2B5EF4-FFF2-40B4-BE49-F238E27FC236}">
-                <a16:creationId xmlns:a16="http://schemas.microsoft.com/office/drawing/2014/main" id="{5DF40343-73D2-2B7F-0DCF-C08FD5392D5B}"/>
+                <a16:creationId xmlns:a16="http://schemas.microsoft.com/office/drawing/2014/main" id="{77E9F2DA-E4E1-7BDE-C1CB-11073025902A}"/>
               </a:ext>
             </a:extLst>
           </p:cNvPr>
@@ -377,7 +377,7 @@
           <p:cNvPr id="3" name="竖排文字占位符 2">
             <a:extLst>
               <a:ext uri="{FF2B5EF4-FFF2-40B4-BE49-F238E27FC236}">
-                <a16:creationId xmlns:a16="http://schemas.microsoft.com/office/drawing/2014/main" id="{631CDB56-1369-416A-F234-4A80CF607D2E}"/>
+                <a16:creationId xmlns:a16="http://schemas.microsoft.com/office/drawing/2014/main" id="{564EC23E-803E-68D6-ACCC-C1C2BFDF75D1}"/>
               </a:ext>
             </a:extLst>
           </p:cNvPr>
@@ -434,7 +434,7 @@
           <p:cNvPr id="4" name="日期占位符 3">
             <a:extLst>
               <a:ext uri="{FF2B5EF4-FFF2-40B4-BE49-F238E27FC236}">
-                <a16:creationId xmlns:a16="http://schemas.microsoft.com/office/drawing/2014/main" id="{5A56FFEA-FF35-2584-C42D-7A625F888B97}"/>
+                <a16:creationId xmlns:a16="http://schemas.microsoft.com/office/drawing/2014/main" id="{25403465-06A8-BB18-B6E0-373B230519D3}"/>
               </a:ext>
             </a:extLst>
           </p:cNvPr>
@@ -450,7 +450,7 @@
           <a:bodyPr/>
           <a:lstStyle/>
           <a:p>
-            <a:fld id="{49E72FF5-997C-4C1C-99F7-C12994F7AF70}" type="datetimeFigureOut">
+            <a:fld id="{31D029D4-409E-4800-AB1B-CE13B9D924E4}" type="datetimeFigureOut">
               <a:rPr lang="zh-CN" altLang="en-US" smtClean="0"/>
               <a:t>2024/3/10</a:t>
             </a:fld>
@@ -463,7 +463,7 @@
           <p:cNvPr id="5" name="页脚占位符 4">
             <a:extLst>
               <a:ext uri="{FF2B5EF4-FFF2-40B4-BE49-F238E27FC236}">
-                <a16:creationId xmlns:a16="http://schemas.microsoft.com/office/drawing/2014/main" id="{0146184B-1390-E9D3-C4A3-0BB8E2377AAC}"/>
+                <a16:creationId xmlns:a16="http://schemas.microsoft.com/office/drawing/2014/main" id="{9A015878-DE3C-1792-DBC2-DF69A1C87A75}"/>
               </a:ext>
             </a:extLst>
           </p:cNvPr>
@@ -488,7 +488,7 @@
           <p:cNvPr id="6" name="灯片编号占位符 5">
             <a:extLst>
               <a:ext uri="{FF2B5EF4-FFF2-40B4-BE49-F238E27FC236}">
-                <a16:creationId xmlns:a16="http://schemas.microsoft.com/office/drawing/2014/main" id="{94514552-C18F-6D0F-80F9-7AD37743536B}"/>
+                <a16:creationId xmlns:a16="http://schemas.microsoft.com/office/drawing/2014/main" id="{74E44F8B-4553-43ED-E647-4A69B3F20A53}"/>
               </a:ext>
             </a:extLst>
           </p:cNvPr>
@@ -504,7 +504,7 @@
           <a:bodyPr/>
           <a:lstStyle/>
           <a:p>
-            <a:fld id="{BE9963CD-5080-40E4-B75A-5591A58EA070}" type="slidenum">
+            <a:fld id="{72FA8E40-13E5-4E5F-8594-4B73678706ED}" type="slidenum">
               <a:rPr lang="zh-CN" altLang="en-US" smtClean="0"/>
               <a:t>‹#›</a:t>
             </a:fld>
@@ -515,7 +515,7 @@
     </p:spTree>
     <p:extLst>
       <p:ext uri="{BB962C8B-B14F-4D97-AF65-F5344CB8AC3E}">
-        <p14:creationId xmlns:p14="http://schemas.microsoft.com/office/powerpoint/2010/main" val="1283333412"/>
+        <p14:creationId xmlns:p14="http://schemas.microsoft.com/office/powerpoint/2010/main" val="1237522082"/>
       </p:ext>
     </p:extLst>
   </p:cSld>
@@ -547,7 +547,7 @@
           <p:cNvPr id="2" name="竖排标题 1">
             <a:extLst>
               <a:ext uri="{FF2B5EF4-FFF2-40B4-BE49-F238E27FC236}">
-                <a16:creationId xmlns:a16="http://schemas.microsoft.com/office/drawing/2014/main" id="{022E8896-3B58-57CA-751E-5FEB838EB5BC}"/>
+                <a16:creationId xmlns:a16="http://schemas.microsoft.com/office/drawing/2014/main" id="{AC98DE7E-DF55-AAED-18F0-E85C3D5E7D94}"/>
               </a:ext>
             </a:extLst>
           </p:cNvPr>
@@ -580,7 +580,7 @@
           <p:cNvPr id="3" name="竖排文字占位符 2">
             <a:extLst>
               <a:ext uri="{FF2B5EF4-FFF2-40B4-BE49-F238E27FC236}">
-                <a16:creationId xmlns:a16="http://schemas.microsoft.com/office/drawing/2014/main" id="{97945841-BB5E-9C8A-77A2-524A5096C9F9}"/>
+                <a16:creationId xmlns:a16="http://schemas.microsoft.com/office/drawing/2014/main" id="{90BA146B-3530-230B-9D34-22549126BA41}"/>
               </a:ext>
             </a:extLst>
           </p:cNvPr>
@@ -642,7 +642,7 @@
           <p:cNvPr id="4" name="日期占位符 3">
             <a:extLst>
               <a:ext uri="{FF2B5EF4-FFF2-40B4-BE49-F238E27FC236}">
-                <a16:creationId xmlns:a16="http://schemas.microsoft.com/office/drawing/2014/main" id="{68A57A4B-D1BD-04B1-E022-52D8C48F74CE}"/>
+                <a16:creationId xmlns:a16="http://schemas.microsoft.com/office/drawing/2014/main" id="{32FB5D9D-6848-097C-ADF8-1A0BE3671E21}"/>
               </a:ext>
             </a:extLst>
           </p:cNvPr>
@@ -658,7 +658,7 @@
           <a:bodyPr/>
           <a:lstStyle/>
           <a:p>
-            <a:fld id="{49E72FF5-997C-4C1C-99F7-C12994F7AF70}" type="datetimeFigureOut">
+            <a:fld id="{31D029D4-409E-4800-AB1B-CE13B9D924E4}" type="datetimeFigureOut">
               <a:rPr lang="zh-CN" altLang="en-US" smtClean="0"/>
               <a:t>2024/3/10</a:t>
             </a:fld>
@@ -671,7 +671,7 @@
           <p:cNvPr id="5" name="页脚占位符 4">
             <a:extLst>
               <a:ext uri="{FF2B5EF4-FFF2-40B4-BE49-F238E27FC236}">
-                <a16:creationId xmlns:a16="http://schemas.microsoft.com/office/drawing/2014/main" id="{C2369B22-3198-8B05-0ECF-2CD4B3C08505}"/>
+                <a16:creationId xmlns:a16="http://schemas.microsoft.com/office/drawing/2014/main" id="{D69F0C46-D07B-621C-75F7-42C91046D29D}"/>
               </a:ext>
             </a:extLst>
           </p:cNvPr>
@@ -696,7 +696,7 @@
           <p:cNvPr id="6" name="灯片编号占位符 5">
             <a:extLst>
               <a:ext uri="{FF2B5EF4-FFF2-40B4-BE49-F238E27FC236}">
-                <a16:creationId xmlns:a16="http://schemas.microsoft.com/office/drawing/2014/main" id="{B2A3AF92-9468-9059-DF6A-382792AEC86F}"/>
+                <a16:creationId xmlns:a16="http://schemas.microsoft.com/office/drawing/2014/main" id="{C46065FB-2FC8-3FCA-ACCC-AED913BFD3DB}"/>
               </a:ext>
             </a:extLst>
           </p:cNvPr>
@@ -712,7 +712,7 @@
           <a:bodyPr/>
           <a:lstStyle/>
           <a:p>
-            <a:fld id="{BE9963CD-5080-40E4-B75A-5591A58EA070}" type="slidenum">
+            <a:fld id="{72FA8E40-13E5-4E5F-8594-4B73678706ED}" type="slidenum">
               <a:rPr lang="zh-CN" altLang="en-US" smtClean="0"/>
               <a:t>‹#›</a:t>
             </a:fld>
@@ -723,7 +723,7 @@
     </p:spTree>
     <p:extLst>
       <p:ext uri="{BB962C8B-B14F-4D97-AF65-F5344CB8AC3E}">
-        <p14:creationId xmlns:p14="http://schemas.microsoft.com/office/powerpoint/2010/main" val="3633554624"/>
+        <p14:creationId xmlns:p14="http://schemas.microsoft.com/office/powerpoint/2010/main" val="1164668100"/>
       </p:ext>
     </p:extLst>
   </p:cSld>
@@ -755,7 +755,7 @@
           <p:cNvPr id="2" name="标题 1">
             <a:extLst>
               <a:ext uri="{FF2B5EF4-FFF2-40B4-BE49-F238E27FC236}">
-                <a16:creationId xmlns:a16="http://schemas.microsoft.com/office/drawing/2014/main" id="{B7DBDC2F-0DB3-5237-6921-BED234621B6E}"/>
+                <a16:creationId xmlns:a16="http://schemas.microsoft.com/office/drawing/2014/main" id="{484C9651-7A5A-6650-8F34-3F2E30C3F6F0}"/>
               </a:ext>
             </a:extLst>
           </p:cNvPr>
@@ -783,7 +783,7 @@
           <p:cNvPr id="3" name="内容占位符 2">
             <a:extLst>
               <a:ext uri="{FF2B5EF4-FFF2-40B4-BE49-F238E27FC236}">
-                <a16:creationId xmlns:a16="http://schemas.microsoft.com/office/drawing/2014/main" id="{5C9AFD30-39A2-16D5-3D4D-AF0BEF024DF7}"/>
+                <a16:creationId xmlns:a16="http://schemas.microsoft.com/office/drawing/2014/main" id="{345779F8-F8A8-7657-7012-872CE92621B9}"/>
               </a:ext>
             </a:extLst>
           </p:cNvPr>
@@ -840,7 +840,7 @@
           <p:cNvPr id="4" name="日期占位符 3">
             <a:extLst>
               <a:ext uri="{FF2B5EF4-FFF2-40B4-BE49-F238E27FC236}">
-                <a16:creationId xmlns:a16="http://schemas.microsoft.com/office/drawing/2014/main" id="{5F4D3A46-AF22-F217-8221-8E29657B151D}"/>
+                <a16:creationId xmlns:a16="http://schemas.microsoft.com/office/drawing/2014/main" id="{D1DDB111-FEC6-CFAC-7223-D2D5A1429AA3}"/>
               </a:ext>
             </a:extLst>
           </p:cNvPr>
@@ -856,7 +856,7 @@
           <a:bodyPr/>
           <a:lstStyle/>
           <a:p>
-            <a:fld id="{49E72FF5-997C-4C1C-99F7-C12994F7AF70}" type="datetimeFigureOut">
+            <a:fld id="{31D029D4-409E-4800-AB1B-CE13B9D924E4}" type="datetimeFigureOut">
               <a:rPr lang="zh-CN" altLang="en-US" smtClean="0"/>
               <a:t>2024/3/10</a:t>
             </a:fld>
@@ -869,7 +869,7 @@
           <p:cNvPr id="5" name="页脚占位符 4">
             <a:extLst>
               <a:ext uri="{FF2B5EF4-FFF2-40B4-BE49-F238E27FC236}">
-                <a16:creationId xmlns:a16="http://schemas.microsoft.com/office/drawing/2014/main" id="{20BBCE60-736C-5BF9-C309-5CCF5E219A7B}"/>
+                <a16:creationId xmlns:a16="http://schemas.microsoft.com/office/drawing/2014/main" id="{F8E4E90D-68D1-818C-DCE1-FC4F307A4BFD}"/>
               </a:ext>
             </a:extLst>
           </p:cNvPr>
@@ -894,7 +894,7 @@
           <p:cNvPr id="6" name="灯片编号占位符 5">
             <a:extLst>
               <a:ext uri="{FF2B5EF4-FFF2-40B4-BE49-F238E27FC236}">
-                <a16:creationId xmlns:a16="http://schemas.microsoft.com/office/drawing/2014/main" id="{A13D6E8A-EC21-F633-9B7D-7CEAF8385540}"/>
+                <a16:creationId xmlns:a16="http://schemas.microsoft.com/office/drawing/2014/main" id="{C712E8B8-7E65-954B-4D44-D303D9FFED5D}"/>
               </a:ext>
             </a:extLst>
           </p:cNvPr>
@@ -910,7 +910,7 @@
           <a:bodyPr/>
           <a:lstStyle/>
           <a:p>
-            <a:fld id="{BE9963CD-5080-40E4-B75A-5591A58EA070}" type="slidenum">
+            <a:fld id="{72FA8E40-13E5-4E5F-8594-4B73678706ED}" type="slidenum">
               <a:rPr lang="zh-CN" altLang="en-US" smtClean="0"/>
               <a:t>‹#›</a:t>
             </a:fld>
@@ -921,7 +921,7 @@
     </p:spTree>
     <p:extLst>
       <p:ext uri="{BB962C8B-B14F-4D97-AF65-F5344CB8AC3E}">
-        <p14:creationId xmlns:p14="http://schemas.microsoft.com/office/powerpoint/2010/main" val="2124715694"/>
+        <p14:creationId xmlns:p14="http://schemas.microsoft.com/office/powerpoint/2010/main" val="3176203944"/>
       </p:ext>
     </p:extLst>
   </p:cSld>
@@ -953,7 +953,7 @@
           <p:cNvPr id="2" name="标题 1">
             <a:extLst>
               <a:ext uri="{FF2B5EF4-FFF2-40B4-BE49-F238E27FC236}">
-                <a16:creationId xmlns:a16="http://schemas.microsoft.com/office/drawing/2014/main" id="{FAC955BC-38D9-C3B0-9A2D-58C55E7268CD}"/>
+                <a16:creationId xmlns:a16="http://schemas.microsoft.com/office/drawing/2014/main" id="{6846BFCD-BC1A-26B3-388E-B71059508D3D}"/>
               </a:ext>
             </a:extLst>
           </p:cNvPr>
@@ -990,7 +990,7 @@
           <p:cNvPr id="3" name="文本占位符 2">
             <a:extLst>
               <a:ext uri="{FF2B5EF4-FFF2-40B4-BE49-F238E27FC236}">
-                <a16:creationId xmlns:a16="http://schemas.microsoft.com/office/drawing/2014/main" id="{707BCBB5-2BDF-69E3-52D6-4437FC4EDB7F}"/>
+                <a16:creationId xmlns:a16="http://schemas.microsoft.com/office/drawing/2014/main" id="{29E557FB-DD24-DD1A-4B29-715AFC418D33}"/>
               </a:ext>
             </a:extLst>
           </p:cNvPr>
@@ -1115,7 +1115,7 @@
           <p:cNvPr id="4" name="日期占位符 3">
             <a:extLst>
               <a:ext uri="{FF2B5EF4-FFF2-40B4-BE49-F238E27FC236}">
-                <a16:creationId xmlns:a16="http://schemas.microsoft.com/office/drawing/2014/main" id="{957CCD00-C95E-75E6-A62A-5D23532996B2}"/>
+                <a16:creationId xmlns:a16="http://schemas.microsoft.com/office/drawing/2014/main" id="{7655FA83-19A2-0397-B3E4-51604C2BA928}"/>
               </a:ext>
             </a:extLst>
           </p:cNvPr>
@@ -1131,7 +1131,7 @@
           <a:bodyPr/>
           <a:lstStyle/>
           <a:p>
-            <a:fld id="{49E72FF5-997C-4C1C-99F7-C12994F7AF70}" type="datetimeFigureOut">
+            <a:fld id="{31D029D4-409E-4800-AB1B-CE13B9D924E4}" type="datetimeFigureOut">
               <a:rPr lang="zh-CN" altLang="en-US" smtClean="0"/>
               <a:t>2024/3/10</a:t>
             </a:fld>
@@ -1144,7 +1144,7 @@
           <p:cNvPr id="5" name="页脚占位符 4">
             <a:extLst>
               <a:ext uri="{FF2B5EF4-FFF2-40B4-BE49-F238E27FC236}">
-                <a16:creationId xmlns:a16="http://schemas.microsoft.com/office/drawing/2014/main" id="{1CA8AC18-ADD9-CEEA-BB1A-3C38A6C43AE6}"/>
+                <a16:creationId xmlns:a16="http://schemas.microsoft.com/office/drawing/2014/main" id="{05879238-6FF2-0907-69DF-274A9FE05E3D}"/>
               </a:ext>
             </a:extLst>
           </p:cNvPr>
@@ -1169,7 +1169,7 @@
           <p:cNvPr id="6" name="灯片编号占位符 5">
             <a:extLst>
               <a:ext uri="{FF2B5EF4-FFF2-40B4-BE49-F238E27FC236}">
-                <a16:creationId xmlns:a16="http://schemas.microsoft.com/office/drawing/2014/main" id="{19C06489-892B-855E-C757-FF517A4AAA59}"/>
+                <a16:creationId xmlns:a16="http://schemas.microsoft.com/office/drawing/2014/main" id="{57B66588-E3AA-BCBC-5190-3B0E3202355D}"/>
               </a:ext>
             </a:extLst>
           </p:cNvPr>
@@ -1185,7 +1185,7 @@
           <a:bodyPr/>
           <a:lstStyle/>
           <a:p>
-            <a:fld id="{BE9963CD-5080-40E4-B75A-5591A58EA070}" type="slidenum">
+            <a:fld id="{72FA8E40-13E5-4E5F-8594-4B73678706ED}" type="slidenum">
               <a:rPr lang="zh-CN" altLang="en-US" smtClean="0"/>
               <a:t>‹#›</a:t>
             </a:fld>
@@ -1196,7 +1196,7 @@
     </p:spTree>
     <p:extLst>
       <p:ext uri="{BB962C8B-B14F-4D97-AF65-F5344CB8AC3E}">
-        <p14:creationId xmlns:p14="http://schemas.microsoft.com/office/powerpoint/2010/main" val="3079615883"/>
+        <p14:creationId xmlns:p14="http://schemas.microsoft.com/office/powerpoint/2010/main" val="2303772992"/>
       </p:ext>
     </p:extLst>
   </p:cSld>
@@ -1228,7 +1228,7 @@
           <p:cNvPr id="2" name="标题 1">
             <a:extLst>
               <a:ext uri="{FF2B5EF4-FFF2-40B4-BE49-F238E27FC236}">
-                <a16:creationId xmlns:a16="http://schemas.microsoft.com/office/drawing/2014/main" id="{4E0AD9B5-437D-11E6-F0A3-2AE997233ABB}"/>
+                <a16:creationId xmlns:a16="http://schemas.microsoft.com/office/drawing/2014/main" id="{6363A87A-12DE-6DEC-A3AA-94367A8637A6}"/>
               </a:ext>
             </a:extLst>
           </p:cNvPr>
@@ -1256,7 +1256,7 @@
           <p:cNvPr id="3" name="内容占位符 2">
             <a:extLst>
               <a:ext uri="{FF2B5EF4-FFF2-40B4-BE49-F238E27FC236}">
-                <a16:creationId xmlns:a16="http://schemas.microsoft.com/office/drawing/2014/main" id="{480ED89C-3FD1-1749-8DB5-0CC2374537BF}"/>
+                <a16:creationId xmlns:a16="http://schemas.microsoft.com/office/drawing/2014/main" id="{86A58880-FCA7-1D0B-D91D-3FD82CA57F61}"/>
               </a:ext>
             </a:extLst>
           </p:cNvPr>
@@ -1318,7 +1318,7 @@
           <p:cNvPr id="4" name="内容占位符 3">
             <a:extLst>
               <a:ext uri="{FF2B5EF4-FFF2-40B4-BE49-F238E27FC236}">
-                <a16:creationId xmlns:a16="http://schemas.microsoft.com/office/drawing/2014/main" id="{2FF140A2-1CC0-AC78-6E86-0C9396458172}"/>
+                <a16:creationId xmlns:a16="http://schemas.microsoft.com/office/drawing/2014/main" id="{A248E60E-8258-BC5E-3BBF-C8F3C849AF4F}"/>
               </a:ext>
             </a:extLst>
           </p:cNvPr>
@@ -1380,7 +1380,7 @@
           <p:cNvPr id="5" name="日期占位符 4">
             <a:extLst>
               <a:ext uri="{FF2B5EF4-FFF2-40B4-BE49-F238E27FC236}">
-                <a16:creationId xmlns:a16="http://schemas.microsoft.com/office/drawing/2014/main" id="{2CB99FA0-4361-92A5-855E-8FEEA5C4377D}"/>
+                <a16:creationId xmlns:a16="http://schemas.microsoft.com/office/drawing/2014/main" id="{B748B6F4-10EE-E79C-D66C-C45B3F52E6BB}"/>
               </a:ext>
             </a:extLst>
           </p:cNvPr>
@@ -1396,7 +1396,7 @@
           <a:bodyPr/>
           <a:lstStyle/>
           <a:p>
-            <a:fld id="{49E72FF5-997C-4C1C-99F7-C12994F7AF70}" type="datetimeFigureOut">
+            <a:fld id="{31D029D4-409E-4800-AB1B-CE13B9D924E4}" type="datetimeFigureOut">
               <a:rPr lang="zh-CN" altLang="en-US" smtClean="0"/>
               <a:t>2024/3/10</a:t>
             </a:fld>
@@ -1409,7 +1409,7 @@
           <p:cNvPr id="6" name="页脚占位符 5">
             <a:extLst>
               <a:ext uri="{FF2B5EF4-FFF2-40B4-BE49-F238E27FC236}">
-                <a16:creationId xmlns:a16="http://schemas.microsoft.com/office/drawing/2014/main" id="{4EB02D15-353D-D882-4896-B64F4B5AFF5F}"/>
+                <a16:creationId xmlns:a16="http://schemas.microsoft.com/office/drawing/2014/main" id="{1990F1AD-7E20-21B3-B049-81AA1FC15383}"/>
               </a:ext>
             </a:extLst>
           </p:cNvPr>
@@ -1434,7 +1434,7 @@
           <p:cNvPr id="7" name="灯片编号占位符 6">
             <a:extLst>
               <a:ext uri="{FF2B5EF4-FFF2-40B4-BE49-F238E27FC236}">
-                <a16:creationId xmlns:a16="http://schemas.microsoft.com/office/drawing/2014/main" id="{972D9A33-E131-353F-DAFF-B0452CE45A15}"/>
+                <a16:creationId xmlns:a16="http://schemas.microsoft.com/office/drawing/2014/main" id="{99836782-4150-660D-6EF5-CBFE2CC65DEC}"/>
               </a:ext>
             </a:extLst>
           </p:cNvPr>
@@ -1450,7 +1450,7 @@
           <a:bodyPr/>
           <a:lstStyle/>
           <a:p>
-            <a:fld id="{BE9963CD-5080-40E4-B75A-5591A58EA070}" type="slidenum">
+            <a:fld id="{72FA8E40-13E5-4E5F-8594-4B73678706ED}" type="slidenum">
               <a:rPr lang="zh-CN" altLang="en-US" smtClean="0"/>
               <a:t>‹#›</a:t>
             </a:fld>
@@ -1461,7 +1461,7 @@
     </p:spTree>
     <p:extLst>
       <p:ext uri="{BB962C8B-B14F-4D97-AF65-F5344CB8AC3E}">
-        <p14:creationId xmlns:p14="http://schemas.microsoft.com/office/powerpoint/2010/main" val="891090715"/>
+        <p14:creationId xmlns:p14="http://schemas.microsoft.com/office/powerpoint/2010/main" val="787861145"/>
       </p:ext>
     </p:extLst>
   </p:cSld>
@@ -1493,7 +1493,7 @@
           <p:cNvPr id="2" name="标题 1">
             <a:extLst>
               <a:ext uri="{FF2B5EF4-FFF2-40B4-BE49-F238E27FC236}">
-                <a16:creationId xmlns:a16="http://schemas.microsoft.com/office/drawing/2014/main" id="{3F693FF5-47CB-0C69-E334-97C3320EC817}"/>
+                <a16:creationId xmlns:a16="http://schemas.microsoft.com/office/drawing/2014/main" id="{9C39E5E4-CF69-8445-2404-499346554226}"/>
               </a:ext>
             </a:extLst>
           </p:cNvPr>
@@ -1526,7 +1526,7 @@
           <p:cNvPr id="3" name="文本占位符 2">
             <a:extLst>
               <a:ext uri="{FF2B5EF4-FFF2-40B4-BE49-F238E27FC236}">
-                <a16:creationId xmlns:a16="http://schemas.microsoft.com/office/drawing/2014/main" id="{EA61BCC5-6290-FA1C-B525-B39255D24640}"/>
+                <a16:creationId xmlns:a16="http://schemas.microsoft.com/office/drawing/2014/main" id="{38AC8A6B-3E69-8CE3-69A2-1EE79DE46690}"/>
               </a:ext>
             </a:extLst>
           </p:cNvPr>
@@ -1597,7 +1597,7 @@
           <p:cNvPr id="4" name="内容占位符 3">
             <a:extLst>
               <a:ext uri="{FF2B5EF4-FFF2-40B4-BE49-F238E27FC236}">
-                <a16:creationId xmlns:a16="http://schemas.microsoft.com/office/drawing/2014/main" id="{D30F126B-0C04-848A-EA35-9974184EFD53}"/>
+                <a16:creationId xmlns:a16="http://schemas.microsoft.com/office/drawing/2014/main" id="{315A79D6-D230-F91A-0155-3E971E8182BD}"/>
               </a:ext>
             </a:extLst>
           </p:cNvPr>
@@ -1659,7 +1659,7 @@
           <p:cNvPr id="5" name="文本占位符 4">
             <a:extLst>
               <a:ext uri="{FF2B5EF4-FFF2-40B4-BE49-F238E27FC236}">
-                <a16:creationId xmlns:a16="http://schemas.microsoft.com/office/drawing/2014/main" id="{68549122-9429-19B2-9595-BFA08E23EF3A}"/>
+                <a16:creationId xmlns:a16="http://schemas.microsoft.com/office/drawing/2014/main" id="{8DBC69E2-F194-7892-7A84-F18534D4D701}"/>
               </a:ext>
             </a:extLst>
           </p:cNvPr>
@@ -1730,7 +1730,7 @@
           <p:cNvPr id="6" name="内容占位符 5">
             <a:extLst>
               <a:ext uri="{FF2B5EF4-FFF2-40B4-BE49-F238E27FC236}">
-                <a16:creationId xmlns:a16="http://schemas.microsoft.com/office/drawing/2014/main" id="{FCF9FE1C-13DA-DDF2-ADC4-700E126EED9A}"/>
+                <a16:creationId xmlns:a16="http://schemas.microsoft.com/office/drawing/2014/main" id="{8F296482-86A4-E991-B237-8F6C9695AC4D}"/>
               </a:ext>
             </a:extLst>
           </p:cNvPr>
@@ -1792,7 +1792,7 @@
           <p:cNvPr id="7" name="日期占位符 6">
             <a:extLst>
               <a:ext uri="{FF2B5EF4-FFF2-40B4-BE49-F238E27FC236}">
-                <a16:creationId xmlns:a16="http://schemas.microsoft.com/office/drawing/2014/main" id="{B1FBA034-96D0-999C-08C9-512BBB8D853B}"/>
+                <a16:creationId xmlns:a16="http://schemas.microsoft.com/office/drawing/2014/main" id="{B768FFB4-B5AD-D251-524F-105D97231237}"/>
               </a:ext>
             </a:extLst>
           </p:cNvPr>
@@ -1808,7 +1808,7 @@
           <a:bodyPr/>
           <a:lstStyle/>
           <a:p>
-            <a:fld id="{49E72FF5-997C-4C1C-99F7-C12994F7AF70}" type="datetimeFigureOut">
+            <a:fld id="{31D029D4-409E-4800-AB1B-CE13B9D924E4}" type="datetimeFigureOut">
               <a:rPr lang="zh-CN" altLang="en-US" smtClean="0"/>
               <a:t>2024/3/10</a:t>
             </a:fld>
@@ -1821,7 +1821,7 @@
           <p:cNvPr id="8" name="页脚占位符 7">
             <a:extLst>
               <a:ext uri="{FF2B5EF4-FFF2-40B4-BE49-F238E27FC236}">
-                <a16:creationId xmlns:a16="http://schemas.microsoft.com/office/drawing/2014/main" id="{94E4F1BA-09F7-B385-8A76-AB5ED8F1313F}"/>
+                <a16:creationId xmlns:a16="http://schemas.microsoft.com/office/drawing/2014/main" id="{2E2BF723-EE4D-B8D0-819C-53EAE0F027FB}"/>
               </a:ext>
             </a:extLst>
           </p:cNvPr>
@@ -1846,7 +1846,7 @@
           <p:cNvPr id="9" name="灯片编号占位符 8">
             <a:extLst>
               <a:ext uri="{FF2B5EF4-FFF2-40B4-BE49-F238E27FC236}">
-                <a16:creationId xmlns:a16="http://schemas.microsoft.com/office/drawing/2014/main" id="{3CF516D9-E9EF-0CD4-51A7-ABFCEE52E28C}"/>
+                <a16:creationId xmlns:a16="http://schemas.microsoft.com/office/drawing/2014/main" id="{6BF12D62-C9DE-2841-EC95-2F550C91D3F7}"/>
               </a:ext>
             </a:extLst>
           </p:cNvPr>
@@ -1862,7 +1862,7 @@
           <a:bodyPr/>
           <a:lstStyle/>
           <a:p>
-            <a:fld id="{BE9963CD-5080-40E4-B75A-5591A58EA070}" type="slidenum">
+            <a:fld id="{72FA8E40-13E5-4E5F-8594-4B73678706ED}" type="slidenum">
               <a:rPr lang="zh-CN" altLang="en-US" smtClean="0"/>
               <a:t>‹#›</a:t>
             </a:fld>
@@ -1873,7 +1873,7 @@
     </p:spTree>
     <p:extLst>
       <p:ext uri="{BB962C8B-B14F-4D97-AF65-F5344CB8AC3E}">
-        <p14:creationId xmlns:p14="http://schemas.microsoft.com/office/powerpoint/2010/main" val="243095785"/>
+        <p14:creationId xmlns:p14="http://schemas.microsoft.com/office/powerpoint/2010/main" val="2695953109"/>
       </p:ext>
     </p:extLst>
   </p:cSld>
@@ -1905,7 +1905,7 @@
           <p:cNvPr id="2" name="标题 1">
             <a:extLst>
               <a:ext uri="{FF2B5EF4-FFF2-40B4-BE49-F238E27FC236}">
-                <a16:creationId xmlns:a16="http://schemas.microsoft.com/office/drawing/2014/main" id="{C58757E8-712B-31B3-C5E2-C15EC64745DA}"/>
+                <a16:creationId xmlns:a16="http://schemas.microsoft.com/office/drawing/2014/main" id="{E7DD3266-319E-E809-1E12-6822614EE86B}"/>
               </a:ext>
             </a:extLst>
           </p:cNvPr>
@@ -1933,7 +1933,7 @@
           <p:cNvPr id="3" name="日期占位符 2">
             <a:extLst>
               <a:ext uri="{FF2B5EF4-FFF2-40B4-BE49-F238E27FC236}">
-                <a16:creationId xmlns:a16="http://schemas.microsoft.com/office/drawing/2014/main" id="{19AD9524-1C27-755C-FC41-555B7DEB12E5}"/>
+                <a16:creationId xmlns:a16="http://schemas.microsoft.com/office/drawing/2014/main" id="{2AF210BF-AF71-A0B6-C0B4-EA04206EAB47}"/>
               </a:ext>
             </a:extLst>
           </p:cNvPr>
@@ -1949,7 +1949,7 @@
           <a:bodyPr/>
           <a:lstStyle/>
           <a:p>
-            <a:fld id="{49E72FF5-997C-4C1C-99F7-C12994F7AF70}" type="datetimeFigureOut">
+            <a:fld id="{31D029D4-409E-4800-AB1B-CE13B9D924E4}" type="datetimeFigureOut">
               <a:rPr lang="zh-CN" altLang="en-US" smtClean="0"/>
               <a:t>2024/3/10</a:t>
             </a:fld>
@@ -1962,7 +1962,7 @@
           <p:cNvPr id="4" name="页脚占位符 3">
             <a:extLst>
               <a:ext uri="{FF2B5EF4-FFF2-40B4-BE49-F238E27FC236}">
-                <a16:creationId xmlns:a16="http://schemas.microsoft.com/office/drawing/2014/main" id="{41256524-6AD7-2DDE-FC39-831E2F6C6315}"/>
+                <a16:creationId xmlns:a16="http://schemas.microsoft.com/office/drawing/2014/main" id="{135F64B6-20E4-42FE-1CD5-8B329A4EAAC6}"/>
               </a:ext>
             </a:extLst>
           </p:cNvPr>
@@ -1987,7 +1987,7 @@
           <p:cNvPr id="5" name="灯片编号占位符 4">
             <a:extLst>
               <a:ext uri="{FF2B5EF4-FFF2-40B4-BE49-F238E27FC236}">
-                <a16:creationId xmlns:a16="http://schemas.microsoft.com/office/drawing/2014/main" id="{C8E3F97A-8C23-25F8-C394-23474CCCC5D5}"/>
+                <a16:creationId xmlns:a16="http://schemas.microsoft.com/office/drawing/2014/main" id="{4A78B1A0-48DF-4C90-C15E-96242A3B0848}"/>
               </a:ext>
             </a:extLst>
           </p:cNvPr>
@@ -2003,7 +2003,7 @@
           <a:bodyPr/>
           <a:lstStyle/>
           <a:p>
-            <a:fld id="{BE9963CD-5080-40E4-B75A-5591A58EA070}" type="slidenum">
+            <a:fld id="{72FA8E40-13E5-4E5F-8594-4B73678706ED}" type="slidenum">
               <a:rPr lang="zh-CN" altLang="en-US" smtClean="0"/>
               <a:t>‹#›</a:t>
             </a:fld>
@@ -2014,7 +2014,7 @@
     </p:spTree>
     <p:extLst>
       <p:ext uri="{BB962C8B-B14F-4D97-AF65-F5344CB8AC3E}">
-        <p14:creationId xmlns:p14="http://schemas.microsoft.com/office/powerpoint/2010/main" val="1576427582"/>
+        <p14:creationId xmlns:p14="http://schemas.microsoft.com/office/powerpoint/2010/main" val="1293660747"/>
       </p:ext>
     </p:extLst>
   </p:cSld>
@@ -2046,7 +2046,7 @@
           <p:cNvPr id="2" name="日期占位符 1">
             <a:extLst>
               <a:ext uri="{FF2B5EF4-FFF2-40B4-BE49-F238E27FC236}">
-                <a16:creationId xmlns:a16="http://schemas.microsoft.com/office/drawing/2014/main" id="{8F85CB7C-59BF-E2BA-A0E9-FF8270855A52}"/>
+                <a16:creationId xmlns:a16="http://schemas.microsoft.com/office/drawing/2014/main" id="{6FB09F63-4923-06B8-E17C-5309BBD622B4}"/>
               </a:ext>
             </a:extLst>
           </p:cNvPr>
@@ -2062,7 +2062,7 @@
           <a:bodyPr/>
           <a:lstStyle/>
           <a:p>
-            <a:fld id="{49E72FF5-997C-4C1C-99F7-C12994F7AF70}" type="datetimeFigureOut">
+            <a:fld id="{31D029D4-409E-4800-AB1B-CE13B9D924E4}" type="datetimeFigureOut">
               <a:rPr lang="zh-CN" altLang="en-US" smtClean="0"/>
               <a:t>2024/3/10</a:t>
             </a:fld>
@@ -2075,7 +2075,7 @@
           <p:cNvPr id="3" name="页脚占位符 2">
             <a:extLst>
               <a:ext uri="{FF2B5EF4-FFF2-40B4-BE49-F238E27FC236}">
-                <a16:creationId xmlns:a16="http://schemas.microsoft.com/office/drawing/2014/main" id="{E611B368-1998-4235-FB73-3512CD64522F}"/>
+                <a16:creationId xmlns:a16="http://schemas.microsoft.com/office/drawing/2014/main" id="{5FD42726-965C-3AE0-FD41-2FB2E4524E43}"/>
               </a:ext>
             </a:extLst>
           </p:cNvPr>
@@ -2100,7 +2100,7 @@
           <p:cNvPr id="4" name="灯片编号占位符 3">
             <a:extLst>
               <a:ext uri="{FF2B5EF4-FFF2-40B4-BE49-F238E27FC236}">
-                <a16:creationId xmlns:a16="http://schemas.microsoft.com/office/drawing/2014/main" id="{4DA061EA-B6AB-ECC6-6086-2A1C80AEB729}"/>
+                <a16:creationId xmlns:a16="http://schemas.microsoft.com/office/drawing/2014/main" id="{A052FCA3-85FB-46DB-864F-9B29B6C400A8}"/>
               </a:ext>
             </a:extLst>
           </p:cNvPr>
@@ -2116,7 +2116,7 @@
           <a:bodyPr/>
           <a:lstStyle/>
           <a:p>
-            <a:fld id="{BE9963CD-5080-40E4-B75A-5591A58EA070}" type="slidenum">
+            <a:fld id="{72FA8E40-13E5-4E5F-8594-4B73678706ED}" type="slidenum">
               <a:rPr lang="zh-CN" altLang="en-US" smtClean="0"/>
               <a:t>‹#›</a:t>
             </a:fld>
@@ -2127,7 +2127,7 @@
     </p:spTree>
     <p:extLst>
       <p:ext uri="{BB962C8B-B14F-4D97-AF65-F5344CB8AC3E}">
-        <p14:creationId xmlns:p14="http://schemas.microsoft.com/office/powerpoint/2010/main" val="3595374126"/>
+        <p14:creationId xmlns:p14="http://schemas.microsoft.com/office/powerpoint/2010/main" val="3468494345"/>
       </p:ext>
     </p:extLst>
   </p:cSld>
@@ -2159,7 +2159,7 @@
           <p:cNvPr id="2" name="标题 1">
             <a:extLst>
               <a:ext uri="{FF2B5EF4-FFF2-40B4-BE49-F238E27FC236}">
-                <a16:creationId xmlns:a16="http://schemas.microsoft.com/office/drawing/2014/main" id="{0D3A45F7-4C57-039D-B18D-6ADF324B059C}"/>
+                <a16:creationId xmlns:a16="http://schemas.microsoft.com/office/drawing/2014/main" id="{3BB038C3-C8D3-FA98-60B5-04AFFAF5AA09}"/>
               </a:ext>
             </a:extLst>
           </p:cNvPr>
@@ -2196,7 +2196,7 @@
           <p:cNvPr id="3" name="内容占位符 2">
             <a:extLst>
               <a:ext uri="{FF2B5EF4-FFF2-40B4-BE49-F238E27FC236}">
-                <a16:creationId xmlns:a16="http://schemas.microsoft.com/office/drawing/2014/main" id="{D886A9E1-97CC-FA30-EF67-8C1346F358A4}"/>
+                <a16:creationId xmlns:a16="http://schemas.microsoft.com/office/drawing/2014/main" id="{577A4211-13B5-0D28-C1A5-EA7C00AF27A8}"/>
               </a:ext>
             </a:extLst>
           </p:cNvPr>
@@ -2286,7 +2286,7 @@
           <p:cNvPr id="4" name="文本占位符 3">
             <a:extLst>
               <a:ext uri="{FF2B5EF4-FFF2-40B4-BE49-F238E27FC236}">
-                <a16:creationId xmlns:a16="http://schemas.microsoft.com/office/drawing/2014/main" id="{EE5F6942-E007-F91B-C167-699122971582}"/>
+                <a16:creationId xmlns:a16="http://schemas.microsoft.com/office/drawing/2014/main" id="{2276EB9A-625C-CEE3-5734-6AA60F412337}"/>
               </a:ext>
             </a:extLst>
           </p:cNvPr>
@@ -2357,7 +2357,7 @@
           <p:cNvPr id="5" name="日期占位符 4">
             <a:extLst>
               <a:ext uri="{FF2B5EF4-FFF2-40B4-BE49-F238E27FC236}">
-                <a16:creationId xmlns:a16="http://schemas.microsoft.com/office/drawing/2014/main" id="{17DF6692-136A-9027-CB64-CFF3DB847EF7}"/>
+                <a16:creationId xmlns:a16="http://schemas.microsoft.com/office/drawing/2014/main" id="{253FF166-3F3A-3BA9-0CE8-C1B11ECAC600}"/>
               </a:ext>
             </a:extLst>
           </p:cNvPr>
@@ -2373,7 +2373,7 @@
           <a:bodyPr/>
           <a:lstStyle/>
           <a:p>
-            <a:fld id="{49E72FF5-997C-4C1C-99F7-C12994F7AF70}" type="datetimeFigureOut">
+            <a:fld id="{31D029D4-409E-4800-AB1B-CE13B9D924E4}" type="datetimeFigureOut">
               <a:rPr lang="zh-CN" altLang="en-US" smtClean="0"/>
               <a:t>2024/3/10</a:t>
             </a:fld>
@@ -2386,7 +2386,7 @@
           <p:cNvPr id="6" name="页脚占位符 5">
             <a:extLst>
               <a:ext uri="{FF2B5EF4-FFF2-40B4-BE49-F238E27FC236}">
-                <a16:creationId xmlns:a16="http://schemas.microsoft.com/office/drawing/2014/main" id="{10B98CC2-06C0-ECA2-5C6D-679E14D85599}"/>
+                <a16:creationId xmlns:a16="http://schemas.microsoft.com/office/drawing/2014/main" id="{95C143DE-8F2B-366B-761D-EAE86268095D}"/>
               </a:ext>
             </a:extLst>
           </p:cNvPr>
@@ -2411,7 +2411,7 @@
           <p:cNvPr id="7" name="灯片编号占位符 6">
             <a:extLst>
               <a:ext uri="{FF2B5EF4-FFF2-40B4-BE49-F238E27FC236}">
-                <a16:creationId xmlns:a16="http://schemas.microsoft.com/office/drawing/2014/main" id="{870B9C3A-66B6-4DB8-A4C3-892E5E458888}"/>
+                <a16:creationId xmlns:a16="http://schemas.microsoft.com/office/drawing/2014/main" id="{3C89A511-EBB1-6508-4FF5-EB09E080163D}"/>
               </a:ext>
             </a:extLst>
           </p:cNvPr>
@@ -2427,7 +2427,7 @@
           <a:bodyPr/>
           <a:lstStyle/>
           <a:p>
-            <a:fld id="{BE9963CD-5080-40E4-B75A-5591A58EA070}" type="slidenum">
+            <a:fld id="{72FA8E40-13E5-4E5F-8594-4B73678706ED}" type="slidenum">
               <a:rPr lang="zh-CN" altLang="en-US" smtClean="0"/>
               <a:t>‹#›</a:t>
             </a:fld>
@@ -2438,7 +2438,7 @@
     </p:spTree>
     <p:extLst>
       <p:ext uri="{BB962C8B-B14F-4D97-AF65-F5344CB8AC3E}">
-        <p14:creationId xmlns:p14="http://schemas.microsoft.com/office/powerpoint/2010/main" val="1712314140"/>
+        <p14:creationId xmlns:p14="http://schemas.microsoft.com/office/powerpoint/2010/main" val="1482094484"/>
       </p:ext>
     </p:extLst>
   </p:cSld>
@@ -2470,7 +2470,7 @@
           <p:cNvPr id="2" name="标题 1">
             <a:extLst>
               <a:ext uri="{FF2B5EF4-FFF2-40B4-BE49-F238E27FC236}">
-                <a16:creationId xmlns:a16="http://schemas.microsoft.com/office/drawing/2014/main" id="{6C1A677F-ABBD-39AB-10D7-AB023575811B}"/>
+                <a16:creationId xmlns:a16="http://schemas.microsoft.com/office/drawing/2014/main" id="{B4F905C3-BF7D-22EF-6770-14B112AFACAC}"/>
               </a:ext>
             </a:extLst>
           </p:cNvPr>
@@ -2507,7 +2507,7 @@
           <p:cNvPr id="3" name="图片占位符 2">
             <a:extLst>
               <a:ext uri="{FF2B5EF4-FFF2-40B4-BE49-F238E27FC236}">
-                <a16:creationId xmlns:a16="http://schemas.microsoft.com/office/drawing/2014/main" id="{969D30B9-8F90-9C9F-0E74-0F7CC6C57C69}"/>
+                <a16:creationId xmlns:a16="http://schemas.microsoft.com/office/drawing/2014/main" id="{DA42D001-1CCA-ACF7-47C0-B595FA139EB8}"/>
               </a:ext>
             </a:extLst>
           </p:cNvPr>
@@ -2574,7 +2574,7 @@
           <p:cNvPr id="4" name="文本占位符 3">
             <a:extLst>
               <a:ext uri="{FF2B5EF4-FFF2-40B4-BE49-F238E27FC236}">
-                <a16:creationId xmlns:a16="http://schemas.microsoft.com/office/drawing/2014/main" id="{F268FDC1-650B-322D-3955-16EBEED2AA07}"/>
+                <a16:creationId xmlns:a16="http://schemas.microsoft.com/office/drawing/2014/main" id="{EA0F38EF-8584-A367-CFB2-45F4C25F35A2}"/>
               </a:ext>
             </a:extLst>
           </p:cNvPr>
@@ -2645,7 +2645,7 @@
           <p:cNvPr id="5" name="日期占位符 4">
             <a:extLst>
               <a:ext uri="{FF2B5EF4-FFF2-40B4-BE49-F238E27FC236}">
-                <a16:creationId xmlns:a16="http://schemas.microsoft.com/office/drawing/2014/main" id="{B22193CE-C0BF-4339-6503-619FB58F67EE}"/>
+                <a16:creationId xmlns:a16="http://schemas.microsoft.com/office/drawing/2014/main" id="{C2FFEF50-625B-6A28-E614-50DD04F0FEED}"/>
               </a:ext>
             </a:extLst>
           </p:cNvPr>
@@ -2661,7 +2661,7 @@
           <a:bodyPr/>
           <a:lstStyle/>
           <a:p>
-            <a:fld id="{49E72FF5-997C-4C1C-99F7-C12994F7AF70}" type="datetimeFigureOut">
+            <a:fld id="{31D029D4-409E-4800-AB1B-CE13B9D924E4}" type="datetimeFigureOut">
               <a:rPr lang="zh-CN" altLang="en-US" smtClean="0"/>
               <a:t>2024/3/10</a:t>
             </a:fld>
@@ -2674,7 +2674,7 @@
           <p:cNvPr id="6" name="页脚占位符 5">
             <a:extLst>
               <a:ext uri="{FF2B5EF4-FFF2-40B4-BE49-F238E27FC236}">
-                <a16:creationId xmlns:a16="http://schemas.microsoft.com/office/drawing/2014/main" id="{F3B44B0E-57EB-7CBF-966F-83FC542C6DF4}"/>
+                <a16:creationId xmlns:a16="http://schemas.microsoft.com/office/drawing/2014/main" id="{B2FF4ADE-ECBC-BA53-20C8-6A2878857785}"/>
               </a:ext>
             </a:extLst>
           </p:cNvPr>
@@ -2699,7 +2699,7 @@
           <p:cNvPr id="7" name="灯片编号占位符 6">
             <a:extLst>
               <a:ext uri="{FF2B5EF4-FFF2-40B4-BE49-F238E27FC236}">
-                <a16:creationId xmlns:a16="http://schemas.microsoft.com/office/drawing/2014/main" id="{FE67BB62-5F60-7A5B-29F5-7302C44E07AA}"/>
+                <a16:creationId xmlns:a16="http://schemas.microsoft.com/office/drawing/2014/main" id="{2C4FC47A-9C27-9F9C-1B18-06CBDDD4F78E}"/>
               </a:ext>
             </a:extLst>
           </p:cNvPr>
@@ -2715,7 +2715,7 @@
           <a:bodyPr/>
           <a:lstStyle/>
           <a:p>
-            <a:fld id="{BE9963CD-5080-40E4-B75A-5591A58EA070}" type="slidenum">
+            <a:fld id="{72FA8E40-13E5-4E5F-8594-4B73678706ED}" type="slidenum">
               <a:rPr lang="zh-CN" altLang="en-US" smtClean="0"/>
               <a:t>‹#›</a:t>
             </a:fld>
@@ -2726,7 +2726,7 @@
     </p:spTree>
     <p:extLst>
       <p:ext uri="{BB962C8B-B14F-4D97-AF65-F5344CB8AC3E}">
-        <p14:creationId xmlns:p14="http://schemas.microsoft.com/office/powerpoint/2010/main" val="1849609469"/>
+        <p14:creationId xmlns:p14="http://schemas.microsoft.com/office/powerpoint/2010/main" val="2373933626"/>
       </p:ext>
     </p:extLst>
   </p:cSld>
@@ -2763,7 +2763,7 @@
           <p:cNvPr id="2" name="标题占位符 1">
             <a:extLst>
               <a:ext uri="{FF2B5EF4-FFF2-40B4-BE49-F238E27FC236}">
-                <a16:creationId xmlns:a16="http://schemas.microsoft.com/office/drawing/2014/main" id="{D5B07E70-6739-EC8A-708A-66B38C2269CF}"/>
+                <a16:creationId xmlns:a16="http://schemas.microsoft.com/office/drawing/2014/main" id="{D0FFCF08-074C-5AB6-8F73-65A735A5E46C}"/>
               </a:ext>
             </a:extLst>
           </p:cNvPr>
@@ -2801,7 +2801,7 @@
           <p:cNvPr id="3" name="文本占位符 2">
             <a:extLst>
               <a:ext uri="{FF2B5EF4-FFF2-40B4-BE49-F238E27FC236}">
-                <a16:creationId xmlns:a16="http://schemas.microsoft.com/office/drawing/2014/main" id="{EFB78AC3-DCFC-1079-4B8F-CB5D292AC1E7}"/>
+                <a16:creationId xmlns:a16="http://schemas.microsoft.com/office/drawing/2014/main" id="{D3342E9E-42B2-7B5A-ADA4-3A67350C7BF3}"/>
               </a:ext>
             </a:extLst>
           </p:cNvPr>
@@ -2868,7 +2868,7 @@
           <p:cNvPr id="4" name="日期占位符 3">
             <a:extLst>
               <a:ext uri="{FF2B5EF4-FFF2-40B4-BE49-F238E27FC236}">
-                <a16:creationId xmlns:a16="http://schemas.microsoft.com/office/drawing/2014/main" id="{6C40D783-FE60-6809-B6F5-62C363A97582}"/>
+                <a16:creationId xmlns:a16="http://schemas.microsoft.com/office/drawing/2014/main" id="{10072F2D-5F0A-6903-EBFF-BDE43EE3351A}"/>
               </a:ext>
             </a:extLst>
           </p:cNvPr>
@@ -2902,7 +2902,7 @@
             </a:lvl1pPr>
           </a:lstStyle>
           <a:p>
-            <a:fld id="{49E72FF5-997C-4C1C-99F7-C12994F7AF70}" type="datetimeFigureOut">
+            <a:fld id="{31D029D4-409E-4800-AB1B-CE13B9D924E4}" type="datetimeFigureOut">
               <a:rPr lang="zh-CN" altLang="en-US" smtClean="0"/>
               <a:t>2024/3/10</a:t>
             </a:fld>
@@ -2915,7 +2915,7 @@
           <p:cNvPr id="5" name="页脚占位符 4">
             <a:extLst>
               <a:ext uri="{FF2B5EF4-FFF2-40B4-BE49-F238E27FC236}">
-                <a16:creationId xmlns:a16="http://schemas.microsoft.com/office/drawing/2014/main" id="{4D5651F2-9E57-7F49-8CAA-EFBD39E7AD1A}"/>
+                <a16:creationId xmlns:a16="http://schemas.microsoft.com/office/drawing/2014/main" id="{6D1B41E7-4C18-5D66-E775-96B034A0F2E7}"/>
               </a:ext>
             </a:extLst>
           </p:cNvPr>
@@ -2958,7 +2958,7 @@
           <p:cNvPr id="6" name="灯片编号占位符 5">
             <a:extLst>
               <a:ext uri="{FF2B5EF4-FFF2-40B4-BE49-F238E27FC236}">
-                <a16:creationId xmlns:a16="http://schemas.microsoft.com/office/drawing/2014/main" id="{C87036A3-F3F5-295F-6649-66A7FBF296F6}"/>
+                <a16:creationId xmlns:a16="http://schemas.microsoft.com/office/drawing/2014/main" id="{1EF3390B-4216-C6A0-F168-4D2D7E9F000D}"/>
               </a:ext>
             </a:extLst>
           </p:cNvPr>
@@ -2992,7 +2992,7 @@
             </a:lvl1pPr>
           </a:lstStyle>
           <a:p>
-            <a:fld id="{BE9963CD-5080-40E4-B75A-5591A58EA070}" type="slidenum">
+            <a:fld id="{72FA8E40-13E5-4E5F-8594-4B73678706ED}" type="slidenum">
               <a:rPr lang="zh-CN" altLang="en-US" smtClean="0"/>
               <a:t>‹#›</a:t>
             </a:fld>
@@ -3003,7 +3003,7 @@
     </p:spTree>
     <p:extLst>
       <p:ext uri="{BB962C8B-B14F-4D97-AF65-F5344CB8AC3E}">
-        <p14:creationId xmlns:p14="http://schemas.microsoft.com/office/powerpoint/2010/main" val="3619010894"/>
+        <p14:creationId xmlns:p14="http://schemas.microsoft.com/office/powerpoint/2010/main" val="4094374090"/>
       </p:ext>
     </p:extLst>
   </p:cSld>
